--- a/day5/explanation.pptx
+++ b/day5/explanation.pptx
@@ -4877,211 +4877,6 @@
           </a:p>
         </p:txBody>
       </p:sp>
-      <p:cxnSp>
-        <p:nvCxnSpPr>
-          <p:cNvPr id="22" name="Straight Connector 21">
-            <a:extLst>
-              <a:ext uri="{FF2B5EF4-FFF2-40B4-BE49-F238E27FC236}">
-                <a16:creationId xmlns:a16="http://schemas.microsoft.com/office/drawing/2014/main" id="{AB609861-4E1E-6FCF-FD7A-EB6DD5D22A74}"/>
-              </a:ext>
-            </a:extLst>
-          </p:cNvPr>
-          <p:cNvCxnSpPr/>
-          <p:nvPr/>
-        </p:nvCxnSpPr>
-        <p:spPr>
-          <a:xfrm>
-            <a:off x="4164369" y="1048459"/>
-            <a:ext cx="0" cy="2186152"/>
-          </a:xfrm>
-          <a:prstGeom prst="line">
-            <a:avLst/>
-          </a:prstGeom>
-          <a:ln w="38100">
-            <a:solidFill>
-              <a:schemeClr val="accent6"/>
-            </a:solidFill>
-          </a:ln>
-        </p:spPr>
-        <p:style>
-          <a:lnRef idx="1">
-            <a:schemeClr val="accent1"/>
-          </a:lnRef>
-          <a:fillRef idx="0">
-            <a:schemeClr val="accent1"/>
-          </a:fillRef>
-          <a:effectRef idx="0">
-            <a:schemeClr val="accent1"/>
-          </a:effectRef>
-          <a:fontRef idx="minor">
-            <a:schemeClr val="tx1"/>
-          </a:fontRef>
-        </p:style>
-      </p:cxnSp>
-      <p:cxnSp>
-        <p:nvCxnSpPr>
-          <p:cNvPr id="23" name="Straight Connector 22">
-            <a:extLst>
-              <a:ext uri="{FF2B5EF4-FFF2-40B4-BE49-F238E27FC236}">
-                <a16:creationId xmlns:a16="http://schemas.microsoft.com/office/drawing/2014/main" id="{8772584D-3C01-FDDE-7DC7-09B9910B5189}"/>
-              </a:ext>
-            </a:extLst>
-          </p:cNvPr>
-          <p:cNvCxnSpPr/>
-          <p:nvPr/>
-        </p:nvCxnSpPr>
-        <p:spPr>
-          <a:xfrm>
-            <a:off x="4929779" y="948611"/>
-            <a:ext cx="0" cy="2186152"/>
-          </a:xfrm>
-          <a:prstGeom prst="line">
-            <a:avLst/>
-          </a:prstGeom>
-          <a:ln w="38100">
-            <a:solidFill>
-              <a:schemeClr val="accent6"/>
-            </a:solidFill>
-          </a:ln>
-        </p:spPr>
-        <p:style>
-          <a:lnRef idx="1">
-            <a:schemeClr val="accent1"/>
-          </a:lnRef>
-          <a:fillRef idx="0">
-            <a:schemeClr val="accent1"/>
-          </a:fillRef>
-          <a:effectRef idx="0">
-            <a:schemeClr val="accent1"/>
-          </a:effectRef>
-          <a:fontRef idx="minor">
-            <a:schemeClr val="tx1"/>
-          </a:fontRef>
-        </p:style>
-      </p:cxnSp>
-      <p:cxnSp>
-        <p:nvCxnSpPr>
-          <p:cNvPr id="24" name="Straight Connector 23">
-            <a:extLst>
-              <a:ext uri="{FF2B5EF4-FFF2-40B4-BE49-F238E27FC236}">
-                <a16:creationId xmlns:a16="http://schemas.microsoft.com/office/drawing/2014/main" id="{91C209E0-792E-D4A5-83AE-C7261C59F50B}"/>
-              </a:ext>
-            </a:extLst>
-          </p:cNvPr>
-          <p:cNvCxnSpPr/>
-          <p:nvPr/>
-        </p:nvCxnSpPr>
-        <p:spPr>
-          <a:xfrm>
-            <a:off x="5810375" y="948611"/>
-            <a:ext cx="0" cy="2186152"/>
-          </a:xfrm>
-          <a:prstGeom prst="line">
-            <a:avLst/>
-          </a:prstGeom>
-          <a:ln w="38100">
-            <a:solidFill>
-              <a:schemeClr val="accent6"/>
-            </a:solidFill>
-          </a:ln>
-        </p:spPr>
-        <p:style>
-          <a:lnRef idx="1">
-            <a:schemeClr val="accent1"/>
-          </a:lnRef>
-          <a:fillRef idx="0">
-            <a:schemeClr val="accent1"/>
-          </a:fillRef>
-          <a:effectRef idx="0">
-            <a:schemeClr val="accent1"/>
-          </a:effectRef>
-          <a:fontRef idx="minor">
-            <a:schemeClr val="tx1"/>
-          </a:fontRef>
-        </p:style>
-      </p:cxnSp>
-      <p:cxnSp>
-        <p:nvCxnSpPr>
-          <p:cNvPr id="25" name="Straight Connector 24">
-            <a:extLst>
-              <a:ext uri="{FF2B5EF4-FFF2-40B4-BE49-F238E27FC236}">
-                <a16:creationId xmlns:a16="http://schemas.microsoft.com/office/drawing/2014/main" id="{C8C515FE-09EB-9379-0A8E-F7DAC4191DFF}"/>
-              </a:ext>
-            </a:extLst>
-          </p:cNvPr>
-          <p:cNvCxnSpPr/>
-          <p:nvPr/>
-        </p:nvCxnSpPr>
-        <p:spPr>
-          <a:xfrm>
-            <a:off x="6380918" y="1048459"/>
-            <a:ext cx="0" cy="2186152"/>
-          </a:xfrm>
-          <a:prstGeom prst="line">
-            <a:avLst/>
-          </a:prstGeom>
-          <a:ln w="38100">
-            <a:solidFill>
-              <a:schemeClr val="accent6"/>
-            </a:solidFill>
-          </a:ln>
-        </p:spPr>
-        <p:style>
-          <a:lnRef idx="1">
-            <a:schemeClr val="accent1"/>
-          </a:lnRef>
-          <a:fillRef idx="0">
-            <a:schemeClr val="accent1"/>
-          </a:fillRef>
-          <a:effectRef idx="0">
-            <a:schemeClr val="accent1"/>
-          </a:effectRef>
-          <a:fontRef idx="minor">
-            <a:schemeClr val="tx1"/>
-          </a:fontRef>
-        </p:style>
-      </p:cxnSp>
-      <p:cxnSp>
-        <p:nvCxnSpPr>
-          <p:cNvPr id="26" name="Straight Connector 25">
-            <a:extLst>
-              <a:ext uri="{FF2B5EF4-FFF2-40B4-BE49-F238E27FC236}">
-                <a16:creationId xmlns:a16="http://schemas.microsoft.com/office/drawing/2014/main" id="{552FD911-B4AF-2636-2BFB-4268FF61D4E8}"/>
-              </a:ext>
-            </a:extLst>
-          </p:cNvPr>
-          <p:cNvCxnSpPr/>
-          <p:nvPr/>
-        </p:nvCxnSpPr>
-        <p:spPr>
-          <a:xfrm>
-            <a:off x="6924473" y="949821"/>
-            <a:ext cx="0" cy="2186152"/>
-          </a:xfrm>
-          <a:prstGeom prst="line">
-            <a:avLst/>
-          </a:prstGeom>
-          <a:ln w="38100">
-            <a:solidFill>
-              <a:schemeClr val="accent6"/>
-            </a:solidFill>
-          </a:ln>
-        </p:spPr>
-        <p:style>
-          <a:lnRef idx="1">
-            <a:schemeClr val="accent1"/>
-          </a:lnRef>
-          <a:fillRef idx="0">
-            <a:schemeClr val="accent1"/>
-          </a:fillRef>
-          <a:effectRef idx="0">
-            <a:schemeClr val="accent1"/>
-          </a:effectRef>
-          <a:fontRef idx="minor">
-            <a:schemeClr val="tx1"/>
-          </a:fontRef>
-        </p:style>
-      </p:cxnSp>
       <p:sp>
         <p:nvSpPr>
           <p:cNvPr id="27" name="TextBox 26">
